--- a/15_Ch01_Intro.pptx
+++ b/15_Ch01_Intro.pptx
@@ -5,12 +5,13 @@
     <p:sldMasterId id="2147483648" r:id="rId1"/>
   </p:sldMasterIdLst>
   <p:notesMasterIdLst>
-    <p:notesMasterId r:id="rId5"/>
+    <p:notesMasterId r:id="rId6"/>
   </p:notesMasterIdLst>
   <p:sldIdLst>
     <p:sldId id="256" r:id="rId2"/>
     <p:sldId id="263" r:id="rId3"/>
-    <p:sldId id="259" r:id="rId4"/>
+    <p:sldId id="264" r:id="rId4"/>
+    <p:sldId id="259" r:id="rId5"/>
   </p:sldIdLst>
   <p:sldSz cx="9144000" cy="6858000" type="screen4x3"/>
   <p:notesSz cx="6858000" cy="9144000"/>
@@ -109,6 +110,22 @@
       </a:defRPr>
     </a:lvl9pPr>
   </p:defaultTextStyle>
+  <p:extLst>
+    <p:ext uri="{EFAFB233-063F-42B5-8137-9DF3F51BA10A}">
+      <p15:sldGuideLst xmlns:p15="http://schemas.microsoft.com/office/powerpoint/2012/main">
+        <p15:guide id="1" orient="horz" pos="2160">
+          <p15:clr>
+            <a:srgbClr val="A4A3A4"/>
+          </p15:clr>
+        </p15:guide>
+        <p15:guide id="2" pos="2880">
+          <p15:clr>
+            <a:srgbClr val="A4A3A4"/>
+          </p15:clr>
+        </p15:guide>
+      </p15:sldGuideLst>
+    </p:ext>
+  </p:extLst>
 </p:presentation>
 </file>
 
@@ -195,7 +212,7 @@
             <a:fld id="{6837EDA8-41C8-4B24-A206-13C08A65A6D7}" type="datetimeFigureOut">
               <a:rPr lang="zh-TW" altLang="en-US" smtClean="0"/>
               <a:pPr/>
-              <a:t>2018/12/1</a:t>
+              <a:t>2019/4/26</a:t>
             </a:fld>
             <a:endParaRPr lang="zh-TW" altLang="en-US"/>
           </a:p>
@@ -261,38 +278,37 @@
           <a:p>
             <a:pPr lvl="0"/>
             <a:r>
-              <a:rPr lang="zh-TW" altLang="en-US" smtClean="0"/>
+              <a:rPr lang="zh-TW" altLang="en-US"/>
               <a:t>按一下以編輯母片文字樣式</a:t>
             </a:r>
           </a:p>
           <a:p>
             <a:pPr lvl="1"/>
             <a:r>
-              <a:rPr lang="zh-TW" altLang="en-US" smtClean="0"/>
+              <a:rPr lang="zh-TW" altLang="en-US"/>
               <a:t>第二層</a:t>
             </a:r>
           </a:p>
           <a:p>
             <a:pPr lvl="2"/>
             <a:r>
-              <a:rPr lang="zh-TW" altLang="en-US" smtClean="0"/>
+              <a:rPr lang="zh-TW" altLang="en-US"/>
               <a:t>第三層</a:t>
             </a:r>
           </a:p>
           <a:p>
             <a:pPr lvl="3"/>
             <a:r>
-              <a:rPr lang="zh-TW" altLang="en-US" smtClean="0"/>
+              <a:rPr lang="zh-TW" altLang="en-US"/>
               <a:t>第四層</a:t>
             </a:r>
           </a:p>
           <a:p>
             <a:pPr lvl="4"/>
             <a:r>
-              <a:rPr lang="zh-TW" altLang="en-US" smtClean="0"/>
+              <a:rPr lang="zh-TW" altLang="en-US"/>
               <a:t>第五層</a:t>
             </a:r>
-            <a:endParaRPr lang="zh-TW" altLang="en-US"/>
           </a:p>
         </p:txBody>
       </p:sp>
@@ -499,10 +515,9 @@
           <a:lstStyle/>
           <a:p>
             <a:r>
-              <a:rPr lang="zh-TW" altLang="en-US" smtClean="0"/>
+              <a:rPr lang="zh-TW" altLang="en-US"/>
               <a:t>按一下以編輯母片標題樣式</a:t>
             </a:r>
-            <a:endParaRPr lang="zh-TW" altLang="en-US"/>
           </a:p>
         </p:txBody>
       </p:sp>
@@ -618,10 +633,9 @@
           </a:lstStyle>
           <a:p>
             <a:r>
-              <a:rPr lang="zh-TW" altLang="en-US" smtClean="0"/>
+              <a:rPr lang="zh-TW" altLang="en-US"/>
               <a:t>按一下以編輯母片副標題樣式</a:t>
             </a:r>
-            <a:endParaRPr lang="zh-TW" altLang="en-US"/>
           </a:p>
         </p:txBody>
       </p:sp>
@@ -651,7 +665,7 @@
             <a:fld id="{8B85509C-BD4F-47BF-9B1E-FC2E949B3621}" type="datetime1">
               <a:rPr lang="zh-TW" altLang="en-US" smtClean="0"/>
               <a:pPr/>
-              <a:t>2018/12/1</a:t>
+              <a:t>2019/4/26</a:t>
             </a:fld>
             <a:endParaRPr lang="zh-TW" altLang="en-US"/>
           </a:p>
@@ -749,10 +763,9 @@
           <a:lstStyle/>
           <a:p>
             <a:r>
-              <a:rPr lang="zh-TW" altLang="en-US" smtClean="0"/>
+              <a:rPr lang="zh-TW" altLang="en-US"/>
               <a:t>按一下以編輯母片標題樣式</a:t>
             </a:r>
-            <a:endParaRPr lang="zh-TW" altLang="en-US"/>
           </a:p>
         </p:txBody>
       </p:sp>
@@ -773,38 +786,37 @@
           <a:p>
             <a:pPr lvl="0"/>
             <a:r>
-              <a:rPr lang="zh-TW" altLang="en-US" smtClean="0"/>
+              <a:rPr lang="zh-TW" altLang="en-US"/>
               <a:t>按一下以編輯母片文字樣式</a:t>
             </a:r>
           </a:p>
           <a:p>
             <a:pPr lvl="1"/>
             <a:r>
-              <a:rPr lang="zh-TW" altLang="en-US" smtClean="0"/>
+              <a:rPr lang="zh-TW" altLang="en-US"/>
               <a:t>第二層</a:t>
             </a:r>
           </a:p>
           <a:p>
             <a:pPr lvl="2"/>
             <a:r>
-              <a:rPr lang="zh-TW" altLang="en-US" smtClean="0"/>
+              <a:rPr lang="zh-TW" altLang="en-US"/>
               <a:t>第三層</a:t>
             </a:r>
           </a:p>
           <a:p>
             <a:pPr lvl="3"/>
             <a:r>
-              <a:rPr lang="zh-TW" altLang="en-US" smtClean="0"/>
+              <a:rPr lang="zh-TW" altLang="en-US"/>
               <a:t>第四層</a:t>
             </a:r>
           </a:p>
           <a:p>
             <a:pPr lvl="4"/>
             <a:r>
-              <a:rPr lang="zh-TW" altLang="en-US" smtClean="0"/>
+              <a:rPr lang="zh-TW" altLang="en-US"/>
               <a:t>第五層</a:t>
             </a:r>
-            <a:endParaRPr lang="zh-TW" altLang="en-US"/>
           </a:p>
         </p:txBody>
       </p:sp>
@@ -826,7 +838,7 @@
             <a:fld id="{42251B24-F787-4C15-8A0F-7AEC20C70069}" type="datetime1">
               <a:rPr lang="zh-TW" altLang="en-US" smtClean="0"/>
               <a:pPr/>
-              <a:t>2018/12/1</a:t>
+              <a:t>2019/4/26</a:t>
             </a:fld>
             <a:endParaRPr lang="zh-TW" altLang="en-US"/>
           </a:p>
@@ -921,10 +933,9 @@
           <a:lstStyle/>
           <a:p>
             <a:r>
-              <a:rPr lang="zh-TW" altLang="en-US" smtClean="0"/>
+              <a:rPr lang="zh-TW" altLang="en-US"/>
               <a:t>按一下以編輯母片標題樣式</a:t>
             </a:r>
-            <a:endParaRPr lang="zh-TW" altLang="en-US"/>
           </a:p>
         </p:txBody>
       </p:sp>
@@ -950,38 +961,37 @@
           <a:p>
             <a:pPr lvl="0"/>
             <a:r>
-              <a:rPr lang="zh-TW" altLang="en-US" smtClean="0"/>
+              <a:rPr lang="zh-TW" altLang="en-US"/>
               <a:t>按一下以編輯母片文字樣式</a:t>
             </a:r>
           </a:p>
           <a:p>
             <a:pPr lvl="1"/>
             <a:r>
-              <a:rPr lang="zh-TW" altLang="en-US" smtClean="0"/>
+              <a:rPr lang="zh-TW" altLang="en-US"/>
               <a:t>第二層</a:t>
             </a:r>
           </a:p>
           <a:p>
             <a:pPr lvl="2"/>
             <a:r>
-              <a:rPr lang="zh-TW" altLang="en-US" smtClean="0"/>
+              <a:rPr lang="zh-TW" altLang="en-US"/>
               <a:t>第三層</a:t>
             </a:r>
           </a:p>
           <a:p>
             <a:pPr lvl="3"/>
             <a:r>
-              <a:rPr lang="zh-TW" altLang="en-US" smtClean="0"/>
+              <a:rPr lang="zh-TW" altLang="en-US"/>
               <a:t>第四層</a:t>
             </a:r>
           </a:p>
           <a:p>
             <a:pPr lvl="4"/>
             <a:r>
-              <a:rPr lang="zh-TW" altLang="en-US" smtClean="0"/>
+              <a:rPr lang="zh-TW" altLang="en-US"/>
               <a:t>第五層</a:t>
             </a:r>
-            <a:endParaRPr lang="zh-TW" altLang="en-US"/>
           </a:p>
         </p:txBody>
       </p:sp>
@@ -1003,7 +1013,7 @@
             <a:fld id="{9CA0D33C-CE2B-45F1-B8D4-FFD1F131F331}" type="datetime1">
               <a:rPr lang="zh-TW" altLang="en-US" smtClean="0"/>
               <a:pPr/>
-              <a:t>2018/12/1</a:t>
+              <a:t>2019/4/26</a:t>
             </a:fld>
             <a:endParaRPr lang="zh-TW" altLang="en-US"/>
           </a:p>
@@ -1093,10 +1103,9 @@
           <a:lstStyle/>
           <a:p>
             <a:r>
-              <a:rPr lang="zh-TW" altLang="en-US" smtClean="0"/>
+              <a:rPr lang="zh-TW" altLang="en-US"/>
               <a:t>按一下以編輯母片標題樣式</a:t>
             </a:r>
-            <a:endParaRPr lang="zh-TW" altLang="en-US"/>
           </a:p>
         </p:txBody>
       </p:sp>
@@ -1117,38 +1126,37 @@
           <a:p>
             <a:pPr lvl="0"/>
             <a:r>
-              <a:rPr lang="zh-TW" altLang="en-US" smtClean="0"/>
+              <a:rPr lang="zh-TW" altLang="en-US"/>
               <a:t>按一下以編輯母片文字樣式</a:t>
             </a:r>
           </a:p>
           <a:p>
             <a:pPr lvl="1"/>
             <a:r>
-              <a:rPr lang="zh-TW" altLang="en-US" smtClean="0"/>
+              <a:rPr lang="zh-TW" altLang="en-US"/>
               <a:t>第二層</a:t>
             </a:r>
           </a:p>
           <a:p>
             <a:pPr lvl="2"/>
             <a:r>
-              <a:rPr lang="zh-TW" altLang="en-US" smtClean="0"/>
+              <a:rPr lang="zh-TW" altLang="en-US"/>
               <a:t>第三層</a:t>
             </a:r>
           </a:p>
           <a:p>
             <a:pPr lvl="3"/>
             <a:r>
-              <a:rPr lang="zh-TW" altLang="en-US" smtClean="0"/>
+              <a:rPr lang="zh-TW" altLang="en-US"/>
               <a:t>第四層</a:t>
             </a:r>
           </a:p>
           <a:p>
             <a:pPr lvl="4"/>
             <a:r>
-              <a:rPr lang="zh-TW" altLang="en-US" smtClean="0"/>
+              <a:rPr lang="zh-TW" altLang="en-US"/>
               <a:t>第五層</a:t>
             </a:r>
-            <a:endParaRPr lang="zh-TW" altLang="en-US"/>
           </a:p>
         </p:txBody>
       </p:sp>
@@ -1170,7 +1178,7 @@
             <a:fld id="{50B99440-D9EF-40CC-9B52-F6428D9B2C76}" type="datetime1">
               <a:rPr lang="zh-TW" altLang="en-US" smtClean="0"/>
               <a:pPr/>
-              <a:t>2018/12/1</a:t>
+              <a:t>2019/4/26</a:t>
             </a:fld>
             <a:endParaRPr lang="zh-TW" altLang="en-US"/>
           </a:p>
@@ -1269,10 +1277,9 @@
           </a:lstStyle>
           <a:p>
             <a:r>
-              <a:rPr lang="zh-TW" altLang="en-US" smtClean="0"/>
+              <a:rPr lang="zh-TW" altLang="en-US"/>
               <a:t>按一下以編輯母片標題樣式</a:t>
             </a:r>
-            <a:endParaRPr lang="zh-TW" altLang="en-US"/>
           </a:p>
         </p:txBody>
       </p:sp>
@@ -1389,7 +1396,7 @@
           <a:p>
             <a:pPr lvl="0"/>
             <a:r>
-              <a:rPr lang="zh-TW" altLang="en-US" smtClean="0"/>
+              <a:rPr lang="zh-TW" altLang="en-US"/>
               <a:t>按一下以編輯母片文字樣式</a:t>
             </a:r>
           </a:p>
@@ -1413,7 +1420,7 @@
             <a:fld id="{0871BF52-5C6C-4959-8E27-CECB68D39FE4}" type="datetime1">
               <a:rPr lang="zh-TW" altLang="en-US" smtClean="0"/>
               <a:pPr/>
-              <a:t>2018/12/1</a:t>
+              <a:t>2019/4/26</a:t>
             </a:fld>
             <a:endParaRPr lang="zh-TW" altLang="en-US"/>
           </a:p>
@@ -1503,10 +1510,9 @@
           <a:lstStyle/>
           <a:p>
             <a:r>
-              <a:rPr lang="zh-TW" altLang="en-US" smtClean="0"/>
+              <a:rPr lang="zh-TW" altLang="en-US"/>
               <a:t>按一下以編輯母片標題樣式</a:t>
             </a:r>
-            <a:endParaRPr lang="zh-TW" altLang="en-US"/>
           </a:p>
         </p:txBody>
       </p:sp>
@@ -1560,38 +1566,37 @@
           <a:p>
             <a:pPr lvl="0"/>
             <a:r>
-              <a:rPr lang="zh-TW" altLang="en-US" smtClean="0"/>
+              <a:rPr lang="zh-TW" altLang="en-US"/>
               <a:t>按一下以編輯母片文字樣式</a:t>
             </a:r>
           </a:p>
           <a:p>
             <a:pPr lvl="1"/>
             <a:r>
-              <a:rPr lang="zh-TW" altLang="en-US" smtClean="0"/>
+              <a:rPr lang="zh-TW" altLang="en-US"/>
               <a:t>第二層</a:t>
             </a:r>
           </a:p>
           <a:p>
             <a:pPr lvl="2"/>
             <a:r>
-              <a:rPr lang="zh-TW" altLang="en-US" smtClean="0"/>
+              <a:rPr lang="zh-TW" altLang="en-US"/>
               <a:t>第三層</a:t>
             </a:r>
           </a:p>
           <a:p>
             <a:pPr lvl="3"/>
             <a:r>
-              <a:rPr lang="zh-TW" altLang="en-US" smtClean="0"/>
+              <a:rPr lang="zh-TW" altLang="en-US"/>
               <a:t>第四層</a:t>
             </a:r>
           </a:p>
           <a:p>
             <a:pPr lvl="4"/>
             <a:r>
-              <a:rPr lang="zh-TW" altLang="en-US" smtClean="0"/>
+              <a:rPr lang="zh-TW" altLang="en-US"/>
               <a:t>第五層</a:t>
             </a:r>
-            <a:endParaRPr lang="zh-TW" altLang="en-US"/>
           </a:p>
         </p:txBody>
       </p:sp>
@@ -1645,38 +1650,37 @@
           <a:p>
             <a:pPr lvl="0"/>
             <a:r>
-              <a:rPr lang="zh-TW" altLang="en-US" smtClean="0"/>
+              <a:rPr lang="zh-TW" altLang="en-US"/>
               <a:t>按一下以編輯母片文字樣式</a:t>
             </a:r>
           </a:p>
           <a:p>
             <a:pPr lvl="1"/>
             <a:r>
-              <a:rPr lang="zh-TW" altLang="en-US" smtClean="0"/>
+              <a:rPr lang="zh-TW" altLang="en-US"/>
               <a:t>第二層</a:t>
             </a:r>
           </a:p>
           <a:p>
             <a:pPr lvl="2"/>
             <a:r>
-              <a:rPr lang="zh-TW" altLang="en-US" smtClean="0"/>
+              <a:rPr lang="zh-TW" altLang="en-US"/>
               <a:t>第三層</a:t>
             </a:r>
           </a:p>
           <a:p>
             <a:pPr lvl="3"/>
             <a:r>
-              <a:rPr lang="zh-TW" altLang="en-US" smtClean="0"/>
+              <a:rPr lang="zh-TW" altLang="en-US"/>
               <a:t>第四層</a:t>
             </a:r>
           </a:p>
           <a:p>
             <a:pPr lvl="4"/>
             <a:r>
-              <a:rPr lang="zh-TW" altLang="en-US" smtClean="0"/>
+              <a:rPr lang="zh-TW" altLang="en-US"/>
               <a:t>第五層</a:t>
             </a:r>
-            <a:endParaRPr lang="zh-TW" altLang="en-US"/>
           </a:p>
         </p:txBody>
       </p:sp>
@@ -1698,7 +1702,7 @@
             <a:fld id="{DF863F05-2DD9-4EB1-A827-12FD992DE9DC}" type="datetime1">
               <a:rPr lang="zh-TW" altLang="en-US" smtClean="0"/>
               <a:pPr/>
-              <a:t>2018/12/1</a:t>
+              <a:t>2019/4/26</a:t>
             </a:fld>
             <a:endParaRPr lang="zh-TW" altLang="en-US"/>
           </a:p>
@@ -1792,10 +1796,9 @@
           </a:lstStyle>
           <a:p>
             <a:r>
-              <a:rPr lang="zh-TW" altLang="en-US" smtClean="0"/>
+              <a:rPr lang="zh-TW" altLang="en-US"/>
               <a:t>按一下以編輯母片標題樣式</a:t>
             </a:r>
-            <a:endParaRPr lang="zh-TW" altLang="en-US"/>
           </a:p>
         </p:txBody>
       </p:sp>
@@ -1858,7 +1861,7 @@
           <a:p>
             <a:pPr lvl="0"/>
             <a:r>
-              <a:rPr lang="zh-TW" altLang="en-US" smtClean="0"/>
+              <a:rPr lang="zh-TW" altLang="en-US"/>
               <a:t>按一下以編輯母片文字樣式</a:t>
             </a:r>
           </a:p>
@@ -1914,38 +1917,37 @@
           <a:p>
             <a:pPr lvl="0"/>
             <a:r>
-              <a:rPr lang="zh-TW" altLang="en-US" smtClean="0"/>
+              <a:rPr lang="zh-TW" altLang="en-US"/>
               <a:t>按一下以編輯母片文字樣式</a:t>
             </a:r>
           </a:p>
           <a:p>
             <a:pPr lvl="1"/>
             <a:r>
-              <a:rPr lang="zh-TW" altLang="en-US" smtClean="0"/>
+              <a:rPr lang="zh-TW" altLang="en-US"/>
               <a:t>第二層</a:t>
             </a:r>
           </a:p>
           <a:p>
             <a:pPr lvl="2"/>
             <a:r>
-              <a:rPr lang="zh-TW" altLang="en-US" smtClean="0"/>
+              <a:rPr lang="zh-TW" altLang="en-US"/>
               <a:t>第三層</a:t>
             </a:r>
           </a:p>
           <a:p>
             <a:pPr lvl="3"/>
             <a:r>
-              <a:rPr lang="zh-TW" altLang="en-US" smtClean="0"/>
+              <a:rPr lang="zh-TW" altLang="en-US"/>
               <a:t>第四層</a:t>
             </a:r>
           </a:p>
           <a:p>
             <a:pPr lvl="4"/>
             <a:r>
-              <a:rPr lang="zh-TW" altLang="en-US" smtClean="0"/>
+              <a:rPr lang="zh-TW" altLang="en-US"/>
               <a:t>第五層</a:t>
             </a:r>
-            <a:endParaRPr lang="zh-TW" altLang="en-US"/>
           </a:p>
         </p:txBody>
       </p:sp>
@@ -2008,7 +2010,7 @@
           <a:p>
             <a:pPr lvl="0"/>
             <a:r>
-              <a:rPr lang="zh-TW" altLang="en-US" smtClean="0"/>
+              <a:rPr lang="zh-TW" altLang="en-US"/>
               <a:t>按一下以編輯母片文字樣式</a:t>
             </a:r>
           </a:p>
@@ -2064,38 +2066,37 @@
           <a:p>
             <a:pPr lvl="0"/>
             <a:r>
-              <a:rPr lang="zh-TW" altLang="en-US" smtClean="0"/>
+              <a:rPr lang="zh-TW" altLang="en-US"/>
               <a:t>按一下以編輯母片文字樣式</a:t>
             </a:r>
           </a:p>
           <a:p>
             <a:pPr lvl="1"/>
             <a:r>
-              <a:rPr lang="zh-TW" altLang="en-US" smtClean="0"/>
+              <a:rPr lang="zh-TW" altLang="en-US"/>
               <a:t>第二層</a:t>
             </a:r>
           </a:p>
           <a:p>
             <a:pPr lvl="2"/>
             <a:r>
-              <a:rPr lang="zh-TW" altLang="en-US" smtClean="0"/>
+              <a:rPr lang="zh-TW" altLang="en-US"/>
               <a:t>第三層</a:t>
             </a:r>
           </a:p>
           <a:p>
             <a:pPr lvl="3"/>
             <a:r>
-              <a:rPr lang="zh-TW" altLang="en-US" smtClean="0"/>
+              <a:rPr lang="zh-TW" altLang="en-US"/>
               <a:t>第四層</a:t>
             </a:r>
           </a:p>
           <a:p>
             <a:pPr lvl="4"/>
             <a:r>
-              <a:rPr lang="zh-TW" altLang="en-US" smtClean="0"/>
+              <a:rPr lang="zh-TW" altLang="en-US"/>
               <a:t>第五層</a:t>
             </a:r>
-            <a:endParaRPr lang="zh-TW" altLang="en-US"/>
           </a:p>
         </p:txBody>
       </p:sp>
@@ -2117,7 +2118,7 @@
             <a:fld id="{6339AF51-4491-4873-A096-75DB6CE47516}" type="datetime1">
               <a:rPr lang="zh-TW" altLang="en-US" smtClean="0"/>
               <a:pPr/>
-              <a:t>2018/12/1</a:t>
+              <a:t>2019/4/26</a:t>
             </a:fld>
             <a:endParaRPr lang="zh-TW" altLang="en-US"/>
           </a:p>
@@ -2207,10 +2208,9 @@
           <a:lstStyle/>
           <a:p>
             <a:r>
-              <a:rPr lang="zh-TW" altLang="en-US" smtClean="0"/>
+              <a:rPr lang="zh-TW" altLang="en-US"/>
               <a:t>按一下以編輯母片標題樣式</a:t>
             </a:r>
-            <a:endParaRPr lang="zh-TW" altLang="en-US"/>
           </a:p>
         </p:txBody>
       </p:sp>
@@ -2232,7 +2232,7 @@
             <a:fld id="{EE4AD9C8-8B9E-40FF-ABE2-858AC2057BBB}" type="datetime1">
               <a:rPr lang="zh-TW" altLang="en-US" smtClean="0"/>
               <a:pPr/>
-              <a:t>2018/12/1</a:t>
+              <a:t>2019/4/26</a:t>
             </a:fld>
             <a:endParaRPr lang="zh-TW" altLang="en-US"/>
           </a:p>
@@ -2324,7 +2324,7 @@
             <a:fld id="{B4784999-BBBE-4BE4-A8D0-877E7D1D66CC}" type="datetime1">
               <a:rPr lang="zh-TW" altLang="en-US" smtClean="0"/>
               <a:pPr/>
-              <a:t>2018/12/1</a:t>
+              <a:t>2019/4/26</a:t>
             </a:fld>
             <a:endParaRPr lang="zh-TW" altLang="en-US"/>
           </a:p>
@@ -2423,10 +2423,9 @@
           </a:lstStyle>
           <a:p>
             <a:r>
-              <a:rPr lang="zh-TW" altLang="en-US" smtClean="0"/>
+              <a:rPr lang="zh-TW" altLang="en-US"/>
               <a:t>按一下以編輯母片標題樣式</a:t>
             </a:r>
-            <a:endParaRPr lang="zh-TW" altLang="en-US"/>
           </a:p>
         </p:txBody>
       </p:sp>
@@ -2480,38 +2479,37 @@
           <a:p>
             <a:pPr lvl="0"/>
             <a:r>
-              <a:rPr lang="zh-TW" altLang="en-US" smtClean="0"/>
+              <a:rPr lang="zh-TW" altLang="en-US"/>
               <a:t>按一下以編輯母片文字樣式</a:t>
             </a:r>
           </a:p>
           <a:p>
             <a:pPr lvl="1"/>
             <a:r>
-              <a:rPr lang="zh-TW" altLang="en-US" smtClean="0"/>
+              <a:rPr lang="zh-TW" altLang="en-US"/>
               <a:t>第二層</a:t>
             </a:r>
           </a:p>
           <a:p>
             <a:pPr lvl="2"/>
             <a:r>
-              <a:rPr lang="zh-TW" altLang="en-US" smtClean="0"/>
+              <a:rPr lang="zh-TW" altLang="en-US"/>
               <a:t>第三層</a:t>
             </a:r>
           </a:p>
           <a:p>
             <a:pPr lvl="3"/>
             <a:r>
-              <a:rPr lang="zh-TW" altLang="en-US" smtClean="0"/>
+              <a:rPr lang="zh-TW" altLang="en-US"/>
               <a:t>第四層</a:t>
             </a:r>
           </a:p>
           <a:p>
             <a:pPr lvl="4"/>
             <a:r>
-              <a:rPr lang="zh-TW" altLang="en-US" smtClean="0"/>
+              <a:rPr lang="zh-TW" altLang="en-US"/>
               <a:t>第五層</a:t>
             </a:r>
-            <a:endParaRPr lang="zh-TW" altLang="en-US"/>
           </a:p>
         </p:txBody>
       </p:sp>
@@ -2574,7 +2572,7 @@
           <a:p>
             <a:pPr lvl="0"/>
             <a:r>
-              <a:rPr lang="zh-TW" altLang="en-US" smtClean="0"/>
+              <a:rPr lang="zh-TW" altLang="en-US"/>
               <a:t>按一下以編輯母片文字樣式</a:t>
             </a:r>
           </a:p>
@@ -2598,7 +2596,7 @@
             <a:fld id="{E88D17E6-02BD-4944-B9FE-7BFCCBF83D48}" type="datetime1">
               <a:rPr lang="zh-TW" altLang="en-US" smtClean="0"/>
               <a:pPr/>
-              <a:t>2018/12/1</a:t>
+              <a:t>2019/4/26</a:t>
             </a:fld>
             <a:endParaRPr lang="zh-TW" altLang="en-US"/>
           </a:p>
@@ -2697,10 +2695,9 @@
           </a:lstStyle>
           <a:p>
             <a:r>
-              <a:rPr lang="zh-TW" altLang="en-US" smtClean="0"/>
+              <a:rPr lang="zh-TW" altLang="en-US"/>
               <a:t>按一下以編輯母片標題樣式</a:t>
             </a:r>
-            <a:endParaRPr lang="zh-TW" altLang="en-US"/>
           </a:p>
         </p:txBody>
       </p:sp>
@@ -2824,7 +2821,7 @@
           <a:p>
             <a:pPr lvl="0"/>
             <a:r>
-              <a:rPr lang="zh-TW" altLang="en-US" smtClean="0"/>
+              <a:rPr lang="zh-TW" altLang="en-US"/>
               <a:t>按一下以編輯母片文字樣式</a:t>
             </a:r>
           </a:p>
@@ -2848,7 +2845,7 @@
             <a:fld id="{3C13E23D-1FEF-4D78-A3A3-3D6F2BB31954}" type="datetime1">
               <a:rPr lang="zh-TW" altLang="en-US" smtClean="0"/>
               <a:pPr/>
-              <a:t>2018/12/1</a:t>
+              <a:t>2019/4/26</a:t>
             </a:fld>
             <a:endParaRPr lang="zh-TW" altLang="en-US"/>
           </a:p>
@@ -2953,10 +2950,9 @@
           <a:lstStyle/>
           <a:p>
             <a:r>
-              <a:rPr lang="zh-TW" altLang="en-US" smtClean="0"/>
+              <a:rPr lang="zh-TW" altLang="en-US"/>
               <a:t>按一下以編輯母片標題樣式</a:t>
             </a:r>
-            <a:endParaRPr lang="zh-TW" altLang="en-US"/>
           </a:p>
         </p:txBody>
       </p:sp>
@@ -2987,38 +2983,37 @@
           <a:p>
             <a:pPr lvl="0"/>
             <a:r>
-              <a:rPr lang="zh-TW" altLang="en-US" smtClean="0"/>
+              <a:rPr lang="zh-TW" altLang="en-US"/>
               <a:t>按一下以編輯母片文字樣式</a:t>
             </a:r>
           </a:p>
           <a:p>
             <a:pPr lvl="1"/>
             <a:r>
-              <a:rPr lang="zh-TW" altLang="en-US" smtClean="0"/>
+              <a:rPr lang="zh-TW" altLang="en-US"/>
               <a:t>第二層</a:t>
             </a:r>
           </a:p>
           <a:p>
             <a:pPr lvl="2"/>
             <a:r>
-              <a:rPr lang="zh-TW" altLang="en-US" smtClean="0"/>
+              <a:rPr lang="zh-TW" altLang="en-US"/>
               <a:t>第三層</a:t>
             </a:r>
           </a:p>
           <a:p>
             <a:pPr lvl="3"/>
             <a:r>
-              <a:rPr lang="zh-TW" altLang="en-US" smtClean="0"/>
+              <a:rPr lang="zh-TW" altLang="en-US"/>
               <a:t>第四層</a:t>
             </a:r>
           </a:p>
           <a:p>
             <a:pPr lvl="4"/>
             <a:r>
-              <a:rPr lang="zh-TW" altLang="en-US" smtClean="0"/>
+              <a:rPr lang="zh-TW" altLang="en-US"/>
               <a:t>第五層</a:t>
             </a:r>
-            <a:endParaRPr lang="zh-TW" altLang="en-US"/>
           </a:p>
         </p:txBody>
       </p:sp>
@@ -3058,7 +3053,7 @@
             <a:fld id="{06197F35-AD6F-4594-8B50-334492D2E7E8}" type="datetime1">
               <a:rPr lang="zh-TW" altLang="en-US" smtClean="0"/>
               <a:pPr/>
-              <a:t>2018/12/1</a:t>
+              <a:t>2019/4/26</a:t>
             </a:fld>
             <a:endParaRPr lang="zh-TW" altLang="en-US"/>
           </a:p>
@@ -3456,7 +3451,7 @@
           <a:lstStyle/>
           <a:p>
             <a:r>
-              <a:rPr lang="en-US" altLang="zh-TW" sz="4800" b="1" dirty="0" smtClean="0">
+              <a:rPr lang="en-US" altLang="zh-TW" sz="4800" b="1" dirty="0">
                 <a:solidFill>
                   <a:srgbClr val="FFFF00"/>
                 </a:solidFill>
@@ -3494,7 +3489,7 @@
           <a:lstStyle/>
           <a:p>
             <a:r>
-              <a:rPr lang="en-US" altLang="zh-TW" dirty="0" smtClean="0"/>
+              <a:rPr lang="en-US" altLang="zh-TW" dirty="0"/>
               <a:t>Peter H. Chen</a:t>
             </a:r>
             <a:endParaRPr lang="zh-TW" altLang="en-US" dirty="0"/>
@@ -3519,7 +3514,7 @@
             <a:fld id="{C389EDC9-19E3-47AC-9C57-C6A24DEA81AD}" type="datetime1">
               <a:rPr lang="zh-TW" altLang="en-US" smtClean="0"/>
               <a:pPr/>
-              <a:t>2018/12/1</a:t>
+              <a:t>2019/4/26</a:t>
             </a:fld>
             <a:endParaRPr lang="zh-TW" altLang="en-US"/>
           </a:p>
@@ -3551,34 +3546,32 @@
       </p:sp>
       <p:pic>
         <p:nvPicPr>
-          <p:cNvPr id="1026" name="Picture 2"/>
+          <p:cNvPr id="4" name="Picture 3">
+            <a:extLst>
+              <a:ext uri="{FF2B5EF4-FFF2-40B4-BE49-F238E27FC236}">
+                <a16:creationId xmlns:a16="http://schemas.microsoft.com/office/drawing/2014/main" id="{4966F542-A492-4CDE-B872-3A4CC8706594}"/>
+              </a:ext>
+            </a:extLst>
+          </p:cNvPr>
           <p:cNvPicPr>
-            <a:picLocks noChangeAspect="1" noChangeArrowheads="1"/>
+            <a:picLocks noChangeAspect="1"/>
           </p:cNvPicPr>
           <p:nvPr/>
         </p:nvPicPr>
         <p:blipFill>
-          <a:blip r:embed="rId2" cstate="print"/>
-          <a:srcRect/>
+          <a:blip r:embed="rId2"/>
           <a:stretch>
             <a:fillRect/>
           </a:stretch>
         </p:blipFill>
-        <p:spPr bwMode="auto">
+        <p:spPr>
           <a:xfrm>
-            <a:off x="4139952" y="3645024"/>
-            <a:ext cx="819150" cy="838200"/>
+            <a:off x="3995936" y="3720165"/>
+            <a:ext cx="841102" cy="792264"/>
           </a:xfrm>
           <a:prstGeom prst="rect">
             <a:avLst/>
           </a:prstGeom>
-          <a:noFill/>
-          <a:ln w="9525">
-            <a:noFill/>
-            <a:miter lim="800000"/>
-            <a:headEnd/>
-            <a:tailEnd/>
-          </a:ln>
         </p:spPr>
       </p:pic>
     </p:spTree>
@@ -3654,20 +3647,12 @@
           <a:p>
             <a:pPr algn="l"/>
             <a:r>
-              <a:rPr lang="en-US" altLang="zh-TW" b="1" dirty="0" smtClean="0">
+              <a:rPr lang="en-US" altLang="zh-TW" b="1" dirty="0">
                 <a:solidFill>
                   <a:srgbClr val="FFFF00"/>
                 </a:solidFill>
               </a:rPr>
-              <a:t>1 </a:t>
-            </a:r>
-            <a:r>
-              <a:rPr lang="en-US" altLang="zh-TW" b="1" dirty="0" smtClean="0">
-                <a:solidFill>
-                  <a:srgbClr val="FFFF00"/>
-                </a:solidFill>
-              </a:rPr>
-              <a:t>Spring Boot</a:t>
+              <a:t>1 Spring Boot</a:t>
             </a:r>
             <a:endParaRPr lang="zh-TW" altLang="en-US" b="1" dirty="0">
               <a:solidFill>
@@ -3690,7 +3675,7 @@
         <p:spPr>
           <a:xfrm>
             <a:off x="467544" y="1340768"/>
-            <a:ext cx="8352928" cy="360040"/>
+            <a:ext cx="8352928" cy="792088"/>
           </a:xfrm>
           <a:ln>
             <a:solidFill>
@@ -3713,29 +3698,33 @@
               <a:buChar char="u"/>
             </a:pPr>
             <a:r>
-              <a:rPr lang="en-US" altLang="zh-TW" sz="1600" b="1" dirty="0" smtClean="0">
+              <a:rPr lang="en-US" altLang="zh-TW" sz="1600" b="1" dirty="0">
                 <a:solidFill>
                   <a:schemeClr val="tx1"/>
                 </a:solidFill>
                 <a:latin typeface="+mj-lt"/>
               </a:rPr>
-              <a:t>Spring Boot is for full stack developer including </a:t>
-            </a:r>
-            <a:r>
-              <a:rPr lang="en-US" altLang="zh-TW" sz="1600" b="1" smtClean="0">
+              <a:t>Spring Boot is for full stack developer including the front-end and back-end.</a:t>
+            </a:r>
+          </a:p>
+          <a:p>
+            <a:pPr marL="342900" indent="-342900" algn="l">
+              <a:buClr>
+                <a:srgbClr val="0070C0"/>
+              </a:buClr>
+              <a:buSzPct val="80000"/>
+              <a:buFont typeface="Wingdings" pitchFamily="2" charset="2"/>
+              <a:buChar char="u"/>
+            </a:pPr>
+            <a:r>
+              <a:rPr lang="en-US" altLang="zh-TW" sz="1600" b="1" dirty="0">
                 <a:solidFill>
                   <a:schemeClr val="tx1"/>
                 </a:solidFill>
                 <a:latin typeface="+mj-lt"/>
               </a:rPr>
-              <a:t>the front-end and back-end.</a:t>
-            </a:r>
-            <a:endParaRPr lang="en-US" altLang="zh-TW" sz="1600" dirty="0" smtClean="0">
-              <a:solidFill>
-                <a:schemeClr val="tx1"/>
-              </a:solidFill>
-              <a:latin typeface="+mj-lt"/>
-            </a:endParaRPr>
+              <a:t>This document is a quick introduction of Spring Boot.</a:t>
+            </a:r>
           </a:p>
         </p:txBody>
       </p:sp>
@@ -3789,10 +3778,9 @@
           <a:lstStyle/>
           <a:p>
             <a:r>
-              <a:rPr lang="en-US" altLang="zh-TW" sz="1600" b="1" i="1" dirty="0" smtClean="0"/>
+              <a:rPr lang="en-US" altLang="zh-TW" sz="1600" b="1" i="1" dirty="0"/>
               <a:t>https://www.youtube.com/watch?v=E7_a-kB46LU&amp;list=PLqq-6Pq4lTTbx8p2oCgcAQGQyqN8XeA1x&amp;index=9</a:t>
             </a:r>
-            <a:endParaRPr lang="en-US" altLang="zh-TW" sz="1600" b="1" i="1" dirty="0"/>
           </a:p>
         </p:txBody>
       </p:sp>
@@ -3819,7 +3807,7 @@
             <a:fld id="{A4F910E6-8D00-4BAF-8C48-9688E0B449D3}" type="datetime1">
               <a:rPr lang="zh-TW" altLang="en-US" smtClean="0"/>
               <a:pPr/>
-              <a:t>2018/12/1</a:t>
+              <a:t>2019/4/26</a:t>
             </a:fld>
             <a:endParaRPr lang="zh-TW" altLang="en-US"/>
           </a:p>
@@ -3854,6 +3842,41 @@
           </a:p>
         </p:txBody>
       </p:sp>
+      <p:pic>
+        <p:nvPicPr>
+          <p:cNvPr id="7" name="Picture 6">
+            <a:extLst>
+              <a:ext uri="{FF2B5EF4-FFF2-40B4-BE49-F238E27FC236}">
+                <a16:creationId xmlns:a16="http://schemas.microsoft.com/office/drawing/2014/main" id="{C7F4D04C-D20A-4DD0-857A-F725B7ADA32F}"/>
+              </a:ext>
+            </a:extLst>
+          </p:cNvPr>
+          <p:cNvPicPr>
+            <a:picLocks noChangeAspect="1"/>
+          </p:cNvPicPr>
+          <p:nvPr/>
+        </p:nvPicPr>
+        <p:blipFill>
+          <a:blip r:embed="rId2"/>
+          <a:stretch>
+            <a:fillRect/>
+          </a:stretch>
+        </p:blipFill>
+        <p:spPr>
+          <a:xfrm>
+            <a:off x="1547663" y="2271827"/>
+            <a:ext cx="5339960" cy="2307486"/>
+          </a:xfrm>
+          <a:prstGeom prst="rect">
+            <a:avLst/>
+          </a:prstGeom>
+          <a:ln>
+            <a:solidFill>
+              <a:srgbClr val="C00000"/>
+            </a:solidFill>
+          </a:ln>
+        </p:spPr>
+      </p:pic>
     </p:spTree>
   </p:cSld>
   <p:clrMapOvr>
@@ -3863,6 +3886,472 @@
 </file>
 
 <file path=ppt/slides/slide3.xml><?xml version="1.0" encoding="utf-8"?>
+<p:sld xmlns:a="http://schemas.openxmlformats.org/drawingml/2006/main" xmlns:r="http://schemas.openxmlformats.org/officeDocument/2006/relationships" xmlns:p="http://schemas.openxmlformats.org/presentationml/2006/main">
+  <p:cSld>
+    <p:spTree>
+      <p:nvGrpSpPr>
+        <p:cNvPr id="1" name=""/>
+        <p:cNvGrpSpPr/>
+        <p:nvPr/>
+      </p:nvGrpSpPr>
+      <p:grpSpPr>
+        <a:xfrm>
+          <a:off x="0" y="0"/>
+          <a:ext cx="0" cy="0"/>
+          <a:chOff x="0" y="0"/>
+          <a:chExt cx="0" cy="0"/>
+        </a:xfrm>
+      </p:grpSpPr>
+      <p:sp>
+        <p:nvSpPr>
+          <p:cNvPr id="2" name="標題 1"/>
+          <p:cNvSpPr>
+            <a:spLocks noGrp="1"/>
+          </p:cNvSpPr>
+          <p:nvPr>
+            <p:ph type="ctrTitle"/>
+          </p:nvPr>
+        </p:nvSpPr>
+        <p:spPr>
+          <a:xfrm>
+            <a:off x="0" y="1"/>
+            <a:ext cx="9144000" cy="764704"/>
+          </a:xfrm>
+          <a:gradFill flip="none" rotWithShape="1">
+            <a:gsLst>
+              <a:gs pos="0">
+                <a:srgbClr val="C00000">
+                  <a:shade val="30000"/>
+                  <a:satMod val="115000"/>
+                </a:srgbClr>
+              </a:gs>
+              <a:gs pos="50000">
+                <a:srgbClr val="C00000">
+                  <a:shade val="67500"/>
+                  <a:satMod val="115000"/>
+                </a:srgbClr>
+              </a:gs>
+              <a:gs pos="100000">
+                <a:srgbClr val="C00000">
+                  <a:shade val="100000"/>
+                  <a:satMod val="115000"/>
+                </a:srgbClr>
+              </a:gs>
+            </a:gsLst>
+            <a:path path="circle">
+              <a:fillToRect t="100000" r="100000"/>
+            </a:path>
+            <a:tileRect l="-100000" b="-100000"/>
+          </a:gradFill>
+        </p:spPr>
+        <p:txBody>
+          <a:bodyPr/>
+          <a:lstStyle/>
+          <a:p>
+            <a:pPr algn="l"/>
+            <a:r>
+              <a:rPr lang="en-US" altLang="zh-TW" b="1" dirty="0">
+                <a:solidFill>
+                  <a:srgbClr val="FFFF00"/>
+                </a:solidFill>
+              </a:rPr>
+              <a:t>1 Spring Boot</a:t>
+            </a:r>
+            <a:endParaRPr lang="zh-TW" altLang="en-US" b="1" dirty="0">
+              <a:solidFill>
+                <a:srgbClr val="FFFF00"/>
+              </a:solidFill>
+            </a:endParaRPr>
+          </a:p>
+        </p:txBody>
+      </p:sp>
+      <p:sp>
+        <p:nvSpPr>
+          <p:cNvPr id="3" name="副標題 2"/>
+          <p:cNvSpPr>
+            <a:spLocks noGrp="1"/>
+          </p:cNvSpPr>
+          <p:nvPr>
+            <p:ph type="subTitle" idx="1"/>
+          </p:nvPr>
+        </p:nvSpPr>
+        <p:spPr>
+          <a:xfrm>
+            <a:off x="467544" y="1410050"/>
+            <a:ext cx="8352928" cy="3695246"/>
+          </a:xfrm>
+          <a:ln>
+            <a:solidFill>
+              <a:srgbClr val="C00000"/>
+            </a:solidFill>
+          </a:ln>
+        </p:spPr>
+        <p:txBody>
+          <a:bodyPr>
+            <a:noAutofit/>
+          </a:bodyPr>
+          <a:lstStyle/>
+          <a:p>
+            <a:pPr marL="342900" indent="-342900" algn="l">
+              <a:buClr>
+                <a:srgbClr val="0070C0"/>
+              </a:buClr>
+              <a:buSzPct val="80000"/>
+              <a:buFont typeface="Wingdings" pitchFamily="2" charset="2"/>
+              <a:buChar char="u"/>
+            </a:pPr>
+            <a:r>
+              <a:rPr lang="en-US" altLang="zh-TW" sz="1600" b="1" dirty="0">
+                <a:solidFill>
+                  <a:schemeClr val="tx1"/>
+                </a:solidFill>
+                <a:latin typeface="+mj-lt"/>
+              </a:rPr>
+              <a:t>We use Spring boot to create spring application. </a:t>
+            </a:r>
+          </a:p>
+          <a:p>
+            <a:pPr marL="342900" indent="-342900" algn="l">
+              <a:buClr>
+                <a:srgbClr val="0070C0"/>
+              </a:buClr>
+              <a:buSzPct val="80000"/>
+              <a:buFont typeface="Wingdings" pitchFamily="2" charset="2"/>
+              <a:buChar char="u"/>
+            </a:pPr>
+            <a:r>
+              <a:rPr lang="en-US" altLang="zh-TW" sz="1600" b="1" dirty="0">
+                <a:solidFill>
+                  <a:schemeClr val="tx1"/>
+                </a:solidFill>
+                <a:latin typeface="+mj-lt"/>
+              </a:rPr>
+              <a:t>We need some basic knowledge of Spring Framework. </a:t>
+            </a:r>
+          </a:p>
+          <a:p>
+            <a:pPr marL="342900" indent="-342900" algn="l">
+              <a:buClr>
+                <a:srgbClr val="0070C0"/>
+              </a:buClr>
+              <a:buSzPct val="80000"/>
+              <a:buFont typeface="Wingdings" pitchFamily="2" charset="2"/>
+              <a:buChar char="u"/>
+            </a:pPr>
+            <a:r>
+              <a:rPr lang="en-US" altLang="zh-TW" sz="1600" b="1" dirty="0">
+                <a:solidFill>
+                  <a:schemeClr val="tx1"/>
+                </a:solidFill>
+                <a:latin typeface="+mj-lt"/>
+              </a:rPr>
+              <a:t>Spring Framework is actually an enterprise Java Framework which let you write enterprise Java Application. </a:t>
+            </a:r>
+          </a:p>
+          <a:p>
+            <a:pPr marL="342900" indent="-342900" algn="l">
+              <a:buClr>
+                <a:srgbClr val="0070C0"/>
+              </a:buClr>
+              <a:buSzPct val="80000"/>
+              <a:buFont typeface="Wingdings" pitchFamily="2" charset="2"/>
+              <a:buChar char="u"/>
+            </a:pPr>
+            <a:r>
+              <a:rPr lang="en-US" altLang="zh-TW" sz="1600" b="1" dirty="0">
+                <a:solidFill>
+                  <a:schemeClr val="tx1"/>
+                </a:solidFill>
+                <a:latin typeface="+mj-lt"/>
+              </a:rPr>
+              <a:t>Spring Boot is a name of bootstrap or quickly start up a simple Spring Application. We should say Complicated Spring Application instead of simple Spring Application.</a:t>
+            </a:r>
+          </a:p>
+          <a:p>
+            <a:pPr marL="342900" indent="-342900" algn="l">
+              <a:buClr>
+                <a:srgbClr val="0070C0"/>
+              </a:buClr>
+              <a:buSzPct val="80000"/>
+              <a:buFont typeface="Wingdings" pitchFamily="2" charset="2"/>
+              <a:buChar char="u"/>
+            </a:pPr>
+            <a:r>
+              <a:rPr lang="en-US" altLang="zh-TW" sz="1600" b="1" dirty="0">
+                <a:solidFill>
+                  <a:schemeClr val="tx1"/>
+                </a:solidFill>
+                <a:latin typeface="+mj-lt"/>
+              </a:rPr>
+              <a:t>The main idea of Spring Boot is to easily start up the Spring Application.</a:t>
+            </a:r>
+          </a:p>
+          <a:p>
+            <a:pPr marL="342900" indent="-342900" algn="l">
+              <a:buClr>
+                <a:srgbClr val="0070C0"/>
+              </a:buClr>
+              <a:buSzPct val="80000"/>
+              <a:buFont typeface="Wingdings" pitchFamily="2" charset="2"/>
+              <a:buChar char="u"/>
+            </a:pPr>
+            <a:r>
+              <a:rPr lang="en-US" altLang="zh-TW" sz="1600" b="1" dirty="0">
+                <a:solidFill>
+                  <a:schemeClr val="tx1"/>
+                </a:solidFill>
+                <a:latin typeface="+mj-lt"/>
+              </a:rPr>
+              <a:t>You can actually build you application all the way to the production, an end-to-end application which is production ready. </a:t>
+            </a:r>
+          </a:p>
+          <a:p>
+            <a:pPr marL="342900" indent="-342900" algn="l">
+              <a:buClr>
+                <a:srgbClr val="0070C0"/>
+              </a:buClr>
+              <a:buSzPct val="80000"/>
+              <a:buFont typeface="Wingdings" pitchFamily="2" charset="2"/>
+              <a:buChar char="u"/>
+            </a:pPr>
+            <a:r>
+              <a:rPr lang="en-US" altLang="zh-TW" sz="1600" b="1" dirty="0">
+                <a:solidFill>
+                  <a:schemeClr val="tx1"/>
+                </a:solidFill>
+                <a:latin typeface="+mj-lt"/>
+              </a:rPr>
+              <a:t>You can create the production ready application using Spring Boot within short time.</a:t>
+            </a:r>
+          </a:p>
+          <a:p>
+            <a:pPr marL="342900" indent="-342900" algn="l">
+              <a:buClr>
+                <a:srgbClr val="0070C0"/>
+              </a:buClr>
+              <a:buSzPct val="80000"/>
+              <a:buFont typeface="Wingdings" pitchFamily="2" charset="2"/>
+              <a:buChar char="u"/>
+            </a:pPr>
+            <a:r>
+              <a:rPr lang="en-US" altLang="zh-TW" sz="1600" b="1" dirty="0">
+                <a:solidFill>
+                  <a:schemeClr val="tx1"/>
+                </a:solidFill>
+                <a:latin typeface="+mj-lt"/>
+              </a:rPr>
+              <a:t>If you ask to create the Spring Application, my go-to approach is using the Spring Boot.</a:t>
+            </a:r>
+          </a:p>
+          <a:p>
+            <a:pPr marL="342900" indent="-342900" algn="l">
+              <a:buClr>
+                <a:srgbClr val="0070C0"/>
+              </a:buClr>
+              <a:buSzPct val="80000"/>
+              <a:buFont typeface="Wingdings" pitchFamily="2" charset="2"/>
+              <a:buChar char="u"/>
+            </a:pPr>
+            <a:r>
+              <a:rPr lang="en-US" altLang="zh-TW" sz="1600" b="1" dirty="0">
+                <a:solidFill>
+                  <a:schemeClr val="tx1"/>
+                </a:solidFill>
+                <a:latin typeface="+mj-lt"/>
+              </a:rPr>
+              <a:t>We will use Spring Boot to create an end-to-end Restful API application using Spring Boot.</a:t>
+            </a:r>
+          </a:p>
+          <a:p>
+            <a:pPr marL="342900" indent="-342900" algn="l">
+              <a:buClr>
+                <a:srgbClr val="0070C0"/>
+              </a:buClr>
+              <a:buSzPct val="80000"/>
+              <a:buFont typeface="Wingdings" pitchFamily="2" charset="2"/>
+              <a:buChar char="u"/>
+            </a:pPr>
+            <a:r>
+              <a:rPr lang="en-US" altLang="zh-TW" sz="1600" b="1" dirty="0">
+                <a:solidFill>
+                  <a:schemeClr val="tx1"/>
+                </a:solidFill>
+                <a:latin typeface="+mj-lt"/>
+              </a:rPr>
+              <a:t>The application will include controller, end-to-end point communication, and database.</a:t>
+            </a:r>
+            <a:endParaRPr lang="en-US" altLang="zh-TW" sz="1600" dirty="0">
+              <a:solidFill>
+                <a:schemeClr val="tx1"/>
+              </a:solidFill>
+              <a:latin typeface="+mj-lt"/>
+            </a:endParaRPr>
+          </a:p>
+        </p:txBody>
+      </p:sp>
+      <p:sp>
+        <p:nvSpPr>
+          <p:cNvPr id="4" name="標題 1"/>
+          <p:cNvSpPr txBox="1">
+            <a:spLocks/>
+          </p:cNvSpPr>
+          <p:nvPr/>
+        </p:nvSpPr>
+        <p:spPr>
+          <a:xfrm>
+            <a:off x="0" y="764704"/>
+            <a:ext cx="9144000" cy="398616"/>
+          </a:xfrm>
+          <a:prstGeom prst="rect">
+            <a:avLst/>
+          </a:prstGeom>
+          <a:gradFill flip="none" rotWithShape="1">
+            <a:gsLst>
+              <a:gs pos="0">
+                <a:srgbClr val="00B0F0">
+                  <a:shade val="30000"/>
+                  <a:satMod val="115000"/>
+                </a:srgbClr>
+              </a:gs>
+              <a:gs pos="50000">
+                <a:srgbClr val="00B0F0">
+                  <a:shade val="67500"/>
+                  <a:satMod val="115000"/>
+                </a:srgbClr>
+              </a:gs>
+              <a:gs pos="100000">
+                <a:srgbClr val="00B0F0">
+                  <a:shade val="100000"/>
+                  <a:satMod val="115000"/>
+                </a:srgbClr>
+              </a:gs>
+            </a:gsLst>
+            <a:path path="circle">
+              <a:fillToRect t="100000" r="100000"/>
+            </a:path>
+            <a:tileRect l="-100000" b="-100000"/>
+          </a:gradFill>
+        </p:spPr>
+        <p:txBody>
+          <a:bodyPr vert="horz" lIns="91440" tIns="45720" rIns="91440" bIns="45720" rtlCol="0" anchor="ctr">
+            <a:normAutofit fontScale="92500"/>
+          </a:bodyPr>
+          <a:lstStyle/>
+          <a:p>
+            <a:r>
+              <a:rPr lang="en-US" altLang="zh-TW" sz="1600" b="1" i="1" dirty="0"/>
+              <a:t>https://www.youtube.com/watch?v=E7_a-kB46LU&amp;list=PLqq-6Pq4lTTbx8p2oCgcAQGQyqN8XeA1x&amp;index=9</a:t>
+            </a:r>
+          </a:p>
+        </p:txBody>
+      </p:sp>
+      <p:sp>
+        <p:nvSpPr>
+          <p:cNvPr id="5" name="日期版面配置區 4"/>
+          <p:cNvSpPr>
+            <a:spLocks noGrp="1"/>
+          </p:cNvSpPr>
+          <p:nvPr>
+            <p:ph type="dt" sz="half" idx="10"/>
+          </p:nvPr>
+        </p:nvSpPr>
+        <p:spPr>
+          <a:xfrm>
+            <a:off x="457200" y="6356350"/>
+            <a:ext cx="2133600" cy="404246"/>
+          </a:xfrm>
+        </p:spPr>
+        <p:txBody>
+          <a:bodyPr/>
+          <a:lstStyle/>
+          <a:p>
+            <a:fld id="{A4F910E6-8D00-4BAF-8C48-9688E0B449D3}" type="datetime1">
+              <a:rPr lang="zh-TW" altLang="en-US" smtClean="0"/>
+              <a:pPr/>
+              <a:t>2019/4/26</a:t>
+            </a:fld>
+            <a:endParaRPr lang="zh-TW" altLang="en-US"/>
+          </a:p>
+        </p:txBody>
+      </p:sp>
+      <p:sp>
+        <p:nvSpPr>
+          <p:cNvPr id="6" name="投影片編號版面配置區 5"/>
+          <p:cNvSpPr>
+            <a:spLocks noGrp="1"/>
+          </p:cNvSpPr>
+          <p:nvPr>
+            <p:ph type="sldNum" sz="quarter" idx="12"/>
+          </p:nvPr>
+        </p:nvSpPr>
+        <p:spPr>
+          <a:xfrm>
+            <a:off x="6553200" y="6356350"/>
+            <a:ext cx="2133600" cy="404246"/>
+          </a:xfrm>
+        </p:spPr>
+        <p:txBody>
+          <a:bodyPr/>
+          <a:lstStyle/>
+          <a:p>
+            <a:fld id="{E4D7E63D-91F2-4366-A2C4-1B00C9E2590E}" type="slidenum">
+              <a:rPr lang="zh-TW" altLang="en-US" smtClean="0"/>
+              <a:pPr/>
+              <a:t>3</a:t>
+            </a:fld>
+            <a:endParaRPr lang="zh-TW" altLang="en-US"/>
+          </a:p>
+        </p:txBody>
+      </p:sp>
+      <p:pic>
+        <p:nvPicPr>
+          <p:cNvPr id="8" name="Picture 7">
+            <a:extLst>
+              <a:ext uri="{FF2B5EF4-FFF2-40B4-BE49-F238E27FC236}">
+                <a16:creationId xmlns:a16="http://schemas.microsoft.com/office/drawing/2014/main" id="{9D74D103-3945-4139-A83D-8860A7A6C93A}"/>
+              </a:ext>
+            </a:extLst>
+          </p:cNvPr>
+          <p:cNvPicPr>
+            <a:picLocks noChangeAspect="1"/>
+          </p:cNvPicPr>
+          <p:nvPr/>
+        </p:nvPicPr>
+        <p:blipFill>
+          <a:blip r:embed="rId2"/>
+          <a:stretch>
+            <a:fillRect/>
+          </a:stretch>
+        </p:blipFill>
+        <p:spPr>
+          <a:xfrm>
+            <a:off x="2057768" y="5197506"/>
+            <a:ext cx="4505325" cy="1085850"/>
+          </a:xfrm>
+          <a:prstGeom prst="rect">
+            <a:avLst/>
+          </a:prstGeom>
+          <a:ln>
+            <a:solidFill>
+              <a:srgbClr val="C00000"/>
+            </a:solidFill>
+          </a:ln>
+        </p:spPr>
+      </p:pic>
+    </p:spTree>
+    <p:extLst>
+      <p:ext uri="{BB962C8B-B14F-4D97-AF65-F5344CB8AC3E}">
+        <p14:creationId xmlns:p14="http://schemas.microsoft.com/office/powerpoint/2010/main" val="1451143141"/>
+      </p:ext>
+    </p:extLst>
+  </p:cSld>
+  <p:clrMapOvr>
+    <a:masterClrMapping/>
+  </p:clrMapOvr>
+</p:sld>
+</file>
+
+<file path=ppt/slides/slide4.xml><?xml version="1.0" encoding="utf-8"?>
 <p:sld xmlns:a="http://schemas.openxmlformats.org/drawingml/2006/main" xmlns:r="http://schemas.openxmlformats.org/officeDocument/2006/relationships" xmlns:p="http://schemas.openxmlformats.org/presentationml/2006/main">
   <p:cSld>
     <p:spTree>
@@ -3928,7 +4417,7 @@
           <a:lstStyle/>
           <a:p>
             <a:r>
-              <a:rPr lang="en-US" altLang="zh-TW" sz="6000" b="1" dirty="0" smtClean="0">
+              <a:rPr lang="en-US" altLang="zh-TW" sz="6000" b="1" dirty="0">
                 <a:solidFill>
                   <a:srgbClr val="FFFF00"/>
                 </a:solidFill>
@@ -3961,7 +4450,7 @@
             <a:fld id="{4E46BE27-E923-4EC2-B046-3272AE2A3E5C}" type="datetime1">
               <a:rPr lang="zh-TW" altLang="en-US" smtClean="0"/>
               <a:pPr/>
-              <a:t>2018/12/1</a:t>
+              <a:t>2019/4/26</a:t>
             </a:fld>
             <a:endParaRPr lang="zh-TW" altLang="en-US"/>
           </a:p>
@@ -3985,7 +4474,7 @@
             <a:fld id="{E4D7E63D-91F2-4366-A2C4-1B00C9E2590E}" type="slidenum">
               <a:rPr lang="zh-TW" altLang="en-US" smtClean="0"/>
               <a:pPr/>
-              <a:t>3</a:t>
+              <a:t>4</a:t>
             </a:fld>
             <a:endParaRPr lang="zh-TW" altLang="en-US"/>
           </a:p>

--- a/15_Ch01_Intro.pptx
+++ b/15_Ch01_Intro.pptx
@@ -3778,9 +3778,12 @@
           <a:lstStyle/>
           <a:p>
             <a:r>
-              <a:rPr lang="en-US" altLang="zh-TW" sz="1600" b="1" i="1" dirty="0"/>
-              <a:t>https://www.youtube.com/watch?v=E7_a-kB46LU&amp;list=PLqq-6Pq4lTTbx8p2oCgcAQGQyqN8XeA1x&amp;index=9</a:t>
-            </a:r>
+              <a:rPr lang="en-US" sz="1600">
+                <a:hlinkClick r:id="rId2"/>
+              </a:rPr>
+              <a:t>https://www.youtube.com/watch?v=msXL2oDexqw&amp;list=PLqq-6Pq4lTTbx8p2oCgcAQGQyqN8XeA1x&amp;index=1</a:t>
+            </a:r>
+            <a:endParaRPr lang="en-US" altLang="zh-TW" sz="1600" b="1" i="1" dirty="0"/>
           </a:p>
         </p:txBody>
       </p:sp>
@@ -3857,7 +3860,7 @@
           <p:nvPr/>
         </p:nvPicPr>
         <p:blipFill>
-          <a:blip r:embed="rId2"/>
+          <a:blip r:embed="rId3"/>
           <a:stretch>
             <a:fillRect/>
           </a:stretch>
@@ -4239,9 +4242,12 @@
           <a:lstStyle/>
           <a:p>
             <a:r>
-              <a:rPr lang="en-US" altLang="zh-TW" sz="1600" b="1" i="1" dirty="0"/>
-              <a:t>https://www.youtube.com/watch?v=E7_a-kB46LU&amp;list=PLqq-6Pq4lTTbx8p2oCgcAQGQyqN8XeA1x&amp;index=9</a:t>
-            </a:r>
+              <a:rPr lang="en-US" sz="1600" dirty="0">
+                <a:hlinkClick r:id="rId2"/>
+              </a:rPr>
+              <a:t>https://www.youtube.com/watch?v=msXL2oDexqw&amp;list=PLqq-6Pq4lTTbx8p2oCgcAQGQyqN8XeA1x&amp;index=1</a:t>
+            </a:r>
+            <a:endParaRPr lang="en-US" altLang="zh-TW" sz="1600" b="1" i="1" dirty="0"/>
           </a:p>
         </p:txBody>
       </p:sp>
@@ -4318,7 +4324,7 @@
           <p:nvPr/>
         </p:nvPicPr>
         <p:blipFill>
-          <a:blip r:embed="rId2"/>
+          <a:blip r:embed="rId3"/>
           <a:stretch>
             <a:fillRect/>
           </a:stretch>
